--- a/week14/Q2.pptx
+++ b/week14/Q2.pptx
@@ -114,6 +114,11 @@
       </a:defRPr>
     </a:lvl9pPr>
   </p:defaultTextStyle>
+  <p:extLst>
+    <p:ext uri="{EFAFB233-063F-42B5-8137-9DF3F51BA10A}">
+      <p15:sldGuideLst xmlns:p15="http://schemas.microsoft.com/office/powerpoint/2012/main"/>
+    </p:ext>
+  </p:extLst>
 </p:presentation>
 </file>
 
@@ -3367,7 +3372,7 @@
           <p:nvPr>
             <p:extLst>
               <p:ext uri="{D42A27DB-BD31-4B8C-83A1-F6EECF244321}">
-                <p14:modId xmlns:p14="http://schemas.microsoft.com/office/powerpoint/2010/main" val="2009758969"/>
+                <p14:modId xmlns:p14="http://schemas.microsoft.com/office/powerpoint/2010/main" val="2009857196"/>
               </p:ext>
             </p:extLst>
           </p:nvPr>
